--- a/PetBook.pptx
+++ b/PetBook.pptx
@@ -227,7 +227,7 @@
           <a:p>
             <a:fld id="{FA14F7CB-90B3-3340-B744-82F6D7844CFE}" type="datetimeFigureOut">
               <a:rPr lang="en-US" smtClean="0"/>
-              <a:t>11/1/22</a:t>
+              <a:t>1/9/2023</a:t>
             </a:fld>
             <a:endParaRPr lang="en-US"/>
           </a:p>
@@ -707,7 +707,7 @@
           <a:lstStyle/>
           <a:p>
             <a:fld id="{961AD6D2-5B0E-CF45-969F-A452010E8CD7}" type="datetimeFigureOut">
-              <a:t>01/11/2022</a:t>
+              <a:t>09/01/2023</a:t>
             </a:fld>
             <a:endParaRPr lang="en-US"/>
           </a:p>
@@ -885,7 +885,7 @@
           <a:lstStyle/>
           <a:p>
             <a:fld id="{961AD6D2-5B0E-CF45-969F-A452010E8CD7}" type="datetimeFigureOut">
-              <a:t>01/11/2022</a:t>
+              <a:t>09/01/2023</a:t>
             </a:fld>
             <a:endParaRPr lang="en-US"/>
           </a:p>
@@ -1073,7 +1073,7 @@
           <a:lstStyle/>
           <a:p>
             <a:fld id="{961AD6D2-5B0E-CF45-969F-A452010E8CD7}" type="datetimeFigureOut">
-              <a:t>01/11/2022</a:t>
+              <a:t>09/01/2023</a:t>
             </a:fld>
             <a:endParaRPr lang="en-US"/>
           </a:p>
@@ -2855,7 +2855,7 @@
           <a:lstStyle/>
           <a:p>
             <a:fld id="{961AD6D2-5B0E-CF45-969F-A452010E8CD7}" type="datetimeFigureOut">
-              <a:t>01/11/2022</a:t>
+              <a:t>09/01/2023</a:t>
             </a:fld>
             <a:endParaRPr lang="en-US"/>
           </a:p>
@@ -5560,7 +5560,7 @@
           <a:lstStyle/>
           <a:p>
             <a:fld id="{961AD6D2-5B0E-CF45-969F-A452010E8CD7}" type="datetimeFigureOut">
-              <a:t>01/11/2022</a:t>
+              <a:t>09/01/2023</a:t>
             </a:fld>
             <a:endParaRPr lang="en-US"/>
           </a:p>
@@ -7527,7 +7527,7 @@
           <a:lstStyle/>
           <a:p>
             <a:fld id="{961AD6D2-5B0E-CF45-969F-A452010E8CD7}" type="datetimeFigureOut">
-              <a:t>01/11/2022</a:t>
+              <a:t>09/01/2023</a:t>
             </a:fld>
             <a:endParaRPr lang="en-US"/>
           </a:p>
@@ -7901,7 +7901,7 @@
           <a:lstStyle/>
           <a:p>
             <a:fld id="{961AD6D2-5B0E-CF45-969F-A452010E8CD7}" type="datetimeFigureOut">
-              <a:t>01/11/2022</a:t>
+              <a:t>09/01/2023</a:t>
             </a:fld>
             <a:endParaRPr lang="en-US"/>
           </a:p>
@@ -8028,7 +8028,7 @@
           <a:lstStyle/>
           <a:p>
             <a:fld id="{961AD6D2-5B0E-CF45-969F-A452010E8CD7}" type="datetimeFigureOut">
-              <a:t>01/11/2022</a:t>
+              <a:t>09/01/2023</a:t>
             </a:fld>
             <a:endParaRPr lang="en-US"/>
           </a:p>
@@ -8133,7 +8133,7 @@
           <a:lstStyle/>
           <a:p>
             <a:fld id="{961AD6D2-5B0E-CF45-969F-A452010E8CD7}" type="datetimeFigureOut">
-              <a:t>01/11/2022</a:t>
+              <a:t>09/01/2023</a:t>
             </a:fld>
             <a:endParaRPr lang="en-US"/>
           </a:p>
@@ -8418,7 +8418,7 @@
           <a:lstStyle/>
           <a:p>
             <a:fld id="{961AD6D2-5B0E-CF45-969F-A452010E8CD7}" type="datetimeFigureOut">
-              <a:t>01/11/2022</a:t>
+              <a:t>09/01/2023</a:t>
             </a:fld>
             <a:endParaRPr lang="en-US"/>
           </a:p>
@@ -8680,7 +8680,7 @@
           <a:lstStyle/>
           <a:p>
             <a:fld id="{961AD6D2-5B0E-CF45-969F-A452010E8CD7}" type="datetimeFigureOut">
-              <a:t>01/11/2022</a:t>
+              <a:t>09/01/2023</a:t>
             </a:fld>
             <a:endParaRPr lang="en-US"/>
           </a:p>
@@ -8901,7 +8901,7 @@
           </a:lstStyle>
           <a:p>
             <a:fld id="{961AD6D2-5B0E-CF45-969F-A452010E8CD7}" type="datetimeFigureOut">
-              <a:t>01/11/2022</a:t>
+              <a:t>09/01/2023</a:t>
             </a:fld>
             <a:endParaRPr lang="en-US"/>
           </a:p>
@@ -10404,13 +10404,13 @@
               </a:ext>
             </a:extLst>
           </a:blip>
-          <a:srcRect b="11290"/>
+          <a:srcRect b="-1208"/>
           <a:stretch/>
         </p:blipFill>
         <p:spPr bwMode="auto">
           <a:xfrm>
-            <a:off x="2423197" y="1048759"/>
-            <a:ext cx="7934286" cy="5433236"/>
+            <a:off x="2423197" y="523827"/>
+            <a:ext cx="7934286" cy="6198708"/>
           </a:xfrm>
           <a:prstGeom prst="rect">
             <a:avLst/>
@@ -10586,13 +10586,13 @@
   <p:clrMapOvr>
     <a:masterClrMapping/>
   </p:clrMapOvr>
-  <mc:AlternateContent xmlns:mc="http://schemas.openxmlformats.org/markup-compatibility/2006">
-    <mc:Choice xmlns:p159="http://schemas.microsoft.com/office/powerpoint/2015/09/main" Requires="p159">
+  <mc:AlternateContent xmlns:mc="http://schemas.openxmlformats.org/markup-compatibility/2006" xmlns:p159="http://schemas.microsoft.com/office/powerpoint/2015/09/main">
+    <mc:Choice Requires="p159">
       <p:transition xmlns:p14="http://schemas.microsoft.com/office/powerpoint/2010/main" spd="slow" p14:dur="2000" advClick="0">
         <p159:morph option="byChar"/>
       </p:transition>
     </mc:Choice>
-    <mc:Fallback>
+    <mc:Fallback xmlns="">
       <p:transition spd="slow" advClick="0">
         <p:fade/>
       </p:transition>
@@ -10640,13 +10640,13 @@
               </a:ext>
             </a:extLst>
           </a:blip>
-          <a:srcRect b="10940"/>
+          <a:srcRect b="-287"/>
           <a:stretch/>
         </p:blipFill>
         <p:spPr bwMode="auto">
           <a:xfrm>
-            <a:off x="1910862" y="559018"/>
-            <a:ext cx="8181118" cy="5969729"/>
+            <a:off x="1910862" y="-33648"/>
+            <a:ext cx="8181118" cy="6722315"/>
           </a:xfrm>
           <a:prstGeom prst="rect">
             <a:avLst/>
@@ -10822,13 +10822,13 @@
   <p:clrMapOvr>
     <a:masterClrMapping/>
   </p:clrMapOvr>
-  <mc:AlternateContent xmlns:mc="http://schemas.openxmlformats.org/markup-compatibility/2006">
-    <mc:Choice xmlns:p159="http://schemas.microsoft.com/office/powerpoint/2015/09/main" Requires="p159">
+  <mc:AlternateContent xmlns:mc="http://schemas.openxmlformats.org/markup-compatibility/2006" xmlns:p159="http://schemas.microsoft.com/office/powerpoint/2015/09/main">
+    <mc:Choice Requires="p159">
       <p:transition xmlns:p14="http://schemas.microsoft.com/office/powerpoint/2010/main" spd="slow" p14:dur="2000" advClick="0">
         <p159:morph option="byChar"/>
       </p:transition>
     </mc:Choice>
-    <mc:Fallback>
+    <mc:Fallback xmlns="">
       <p:transition spd="slow" advClick="0">
         <p:fade/>
       </p:transition>
@@ -10876,13 +10876,13 @@
               </a:ext>
             </a:extLst>
           </a:blip>
-          <a:srcRect b="10940"/>
+          <a:srcRect t="1" b="-540"/>
           <a:stretch/>
         </p:blipFill>
         <p:spPr bwMode="auto">
           <a:xfrm>
-            <a:off x="1910862" y="559018"/>
-            <a:ext cx="8181118" cy="5969729"/>
+            <a:off x="1910862" y="67950"/>
+            <a:ext cx="8181118" cy="6739249"/>
           </a:xfrm>
           <a:prstGeom prst="rect">
             <a:avLst/>
@@ -11058,13 +11058,13 @@
   <p:clrMapOvr>
     <a:masterClrMapping/>
   </p:clrMapOvr>
-  <mc:AlternateContent xmlns:mc="http://schemas.openxmlformats.org/markup-compatibility/2006">
-    <mc:Choice xmlns:p159="http://schemas.microsoft.com/office/powerpoint/2015/09/main" Requires="p159">
+  <mc:AlternateContent xmlns:mc="http://schemas.openxmlformats.org/markup-compatibility/2006" xmlns:p159="http://schemas.microsoft.com/office/powerpoint/2015/09/main">
+    <mc:Choice Requires="p159">
       <p:transition xmlns:p14="http://schemas.microsoft.com/office/powerpoint/2010/main" spd="slow" p14:dur="2000" advClick="0">
         <p159:morph option="byChar"/>
       </p:transition>
     </mc:Choice>
-    <mc:Fallback>
+    <mc:Fallback xmlns="">
       <p:transition spd="slow" advClick="0">
         <p:fade/>
       </p:transition>
@@ -11228,13 +11228,13 @@
   <p:clrMapOvr>
     <a:masterClrMapping/>
   </p:clrMapOvr>
-  <mc:AlternateContent xmlns:mc="http://schemas.openxmlformats.org/markup-compatibility/2006">
-    <mc:Choice xmlns:p159="http://schemas.microsoft.com/office/powerpoint/2015/09/main" Requires="p159">
+  <mc:AlternateContent xmlns:mc="http://schemas.openxmlformats.org/markup-compatibility/2006" xmlns:p159="http://schemas.microsoft.com/office/powerpoint/2015/09/main">
+    <mc:Choice Requires="p159">
       <p:transition xmlns:p14="http://schemas.microsoft.com/office/powerpoint/2010/main" spd="slow" p14:dur="2000" advClick="0">
         <p159:morph option="byChar"/>
       </p:transition>
     </mc:Choice>
-    <mc:Fallback>
+    <mc:Fallback xmlns="">
       <p:transition spd="slow" advClick="0">
         <p:fade/>
       </p:transition>
@@ -11408,13 +11408,13 @@
   <p:clrMapOvr>
     <a:masterClrMapping/>
   </p:clrMapOvr>
-  <mc:AlternateContent xmlns:mc="http://schemas.openxmlformats.org/markup-compatibility/2006">
-    <mc:Choice xmlns:p159="http://schemas.microsoft.com/office/powerpoint/2015/09/main" Requires="p159">
+  <mc:AlternateContent xmlns:mc="http://schemas.openxmlformats.org/markup-compatibility/2006" xmlns:p159="http://schemas.microsoft.com/office/powerpoint/2015/09/main">
+    <mc:Choice Requires="p159">
       <p:transition xmlns:p14="http://schemas.microsoft.com/office/powerpoint/2010/main" spd="slow" p14:dur="2000" advClick="0">
         <p159:morph option="byChar"/>
       </p:transition>
     </mc:Choice>
-    <mc:Fallback>
+    <mc:Fallback xmlns="">
       <p:transition spd="slow" advClick="0">
         <p:fade/>
       </p:transition>
@@ -11651,13 +11651,13 @@
   <p:clrMapOvr>
     <a:masterClrMapping/>
   </p:clrMapOvr>
-  <mc:AlternateContent xmlns:mc="http://schemas.openxmlformats.org/markup-compatibility/2006">
-    <mc:Choice xmlns:p159="http://schemas.microsoft.com/office/powerpoint/2015/09/main" Requires="p159">
+  <mc:AlternateContent xmlns:mc="http://schemas.openxmlformats.org/markup-compatibility/2006" xmlns:p159="http://schemas.microsoft.com/office/powerpoint/2015/09/main">
+    <mc:Choice Requires="p159">
       <p:transition xmlns:p14="http://schemas.microsoft.com/office/powerpoint/2010/main" spd="slow" p14:dur="2000" advClick="0">
         <p159:morph option="byChar"/>
       </p:transition>
     </mc:Choice>
-    <mc:Fallback>
+    <mc:Fallback xmlns="">
       <p:transition spd="slow" advClick="0">
         <p:fade/>
       </p:transition>
@@ -11832,13 +11832,13 @@
   <p:clrMapOvr>
     <a:masterClrMapping/>
   </p:clrMapOvr>
-  <mc:AlternateContent xmlns:mc="http://schemas.openxmlformats.org/markup-compatibility/2006">
-    <mc:Choice xmlns:p159="http://schemas.microsoft.com/office/powerpoint/2015/09/main" Requires="p159">
+  <mc:AlternateContent xmlns:mc="http://schemas.openxmlformats.org/markup-compatibility/2006" xmlns:p159="http://schemas.microsoft.com/office/powerpoint/2015/09/main">
+    <mc:Choice Requires="p159">
       <p:transition xmlns:p14="http://schemas.microsoft.com/office/powerpoint/2010/main" spd="slow" p14:dur="2000" advClick="0">
         <p159:morph option="byChar"/>
       </p:transition>
     </mc:Choice>
-    <mc:Fallback>
+    <mc:Fallback xmlns="">
       <p:transition spd="slow" advClick="0">
         <p:fade/>
       </p:transition>
@@ -12002,13 +12002,13 @@
   <p:clrMapOvr>
     <a:masterClrMapping/>
   </p:clrMapOvr>
-  <mc:AlternateContent xmlns:mc="http://schemas.openxmlformats.org/markup-compatibility/2006">
-    <mc:Choice xmlns:p159="http://schemas.microsoft.com/office/powerpoint/2015/09/main" Requires="p159">
+  <mc:AlternateContent xmlns:mc="http://schemas.openxmlformats.org/markup-compatibility/2006" xmlns:p159="http://schemas.microsoft.com/office/powerpoint/2015/09/main">
+    <mc:Choice Requires="p159">
       <p:transition xmlns:p14="http://schemas.microsoft.com/office/powerpoint/2010/main" spd="slow" p14:dur="2000" advClick="0">
         <p159:morph option="byChar"/>
       </p:transition>
     </mc:Choice>
-    <mc:Fallback>
+    <mc:Fallback xmlns="">
       <p:transition spd="slow" advClick="0">
         <p:fade/>
       </p:transition>
@@ -12256,13 +12256,13 @@
   <p:clrMapOvr>
     <a:masterClrMapping/>
   </p:clrMapOvr>
-  <mc:AlternateContent xmlns:mc="http://schemas.openxmlformats.org/markup-compatibility/2006">
-    <mc:Choice xmlns:p159="http://schemas.microsoft.com/office/powerpoint/2015/09/main" Requires="p159">
+  <mc:AlternateContent xmlns:mc="http://schemas.openxmlformats.org/markup-compatibility/2006" xmlns:p159="http://schemas.microsoft.com/office/powerpoint/2015/09/main">
+    <mc:Choice Requires="p159">
       <p:transition xmlns:p14="http://schemas.microsoft.com/office/powerpoint/2010/main" spd="slow" p14:dur="2000" advClick="0">
         <p159:morph option="byChar"/>
       </p:transition>
     </mc:Choice>
-    <mc:Fallback>
+    <mc:Fallback xmlns="">
       <p:transition spd="slow" advClick="0">
         <p:fade/>
       </p:transition>
@@ -12438,10 +12438,10 @@
       </p:sp>
       <p:sp>
         <p:nvSpPr>
-          <p:cNvPr id="3" name="Rounded Rectangle 2">
+          <p:cNvPr id="5" name="Rounded Rectangle 4">
             <a:extLst>
               <a:ext uri="{FF2B5EF4-FFF2-40B4-BE49-F238E27FC236}">
-                <a16:creationId xmlns:a16="http://schemas.microsoft.com/office/drawing/2014/main" id="{9B40F3C4-2F77-FB33-FE27-C0C9C94793F1}"/>
+                <a16:creationId xmlns:a16="http://schemas.microsoft.com/office/drawing/2014/main" id="{22862C62-72BC-CB7B-A42E-3F6EFEDB0609}"/>
               </a:ext>
             </a:extLst>
           </p:cNvPr>
@@ -12450,57 +12450,7 @@
         </p:nvSpPr>
         <p:spPr>
           <a:xfrm>
-            <a:off x="1580826" y="3268850"/>
-            <a:ext cx="3611105" cy="790413"/>
-          </a:xfrm>
-          <a:prstGeom prst="roundRect">
-            <a:avLst/>
-          </a:prstGeom>
-        </p:spPr>
-        <p:style>
-          <a:lnRef idx="2">
-            <a:schemeClr val="accent6"/>
-          </a:lnRef>
-          <a:fillRef idx="1">
-            <a:schemeClr val="lt1"/>
-          </a:fillRef>
-          <a:effectRef idx="0">
-            <a:schemeClr val="accent6"/>
-          </a:effectRef>
-          <a:fontRef idx="minor">
-            <a:schemeClr val="dk1"/>
-          </a:fontRef>
-        </p:style>
-        <p:txBody>
-          <a:bodyPr rtlCol="0" anchor="ctr"/>
-          <a:lstStyle/>
-          <a:p>
-            <a:pPr algn="ctr"/>
-            <a:r>
-              <a:rPr lang="en-US" sz="2400" dirty="0">
-                <a:latin typeface="Times New Roman" panose="02020603050405020304" pitchFamily="18" charset="0"/>
-                <a:cs typeface="Times New Roman" panose="02020603050405020304" pitchFamily="18" charset="0"/>
-              </a:rPr>
-              <a:t>Manage Users</a:t>
-            </a:r>
-          </a:p>
-        </p:txBody>
-      </p:sp>
-      <p:sp>
-        <p:nvSpPr>
-          <p:cNvPr id="5" name="Rounded Rectangle 4">
-            <a:extLst>
-              <a:ext uri="{FF2B5EF4-FFF2-40B4-BE49-F238E27FC236}">
-                <a16:creationId xmlns:a16="http://schemas.microsoft.com/office/drawing/2014/main" id="{22862C62-72BC-CB7B-A42E-3F6EFEDB0609}"/>
-              </a:ext>
-            </a:extLst>
-          </p:cNvPr>
-          <p:cNvSpPr/>
-          <p:nvPr/>
-        </p:nvSpPr>
-        <p:spPr>
-          <a:xfrm>
-            <a:off x="1580827" y="4460928"/>
+            <a:off x="1580827" y="3268850"/>
             <a:ext cx="3611105" cy="790413"/>
           </a:xfrm>
           <a:prstGeom prst="roundRect">
@@ -12650,7 +12600,7 @@
         </p:nvSpPr>
         <p:spPr>
           <a:xfrm>
-            <a:off x="6096000" y="4460928"/>
+            <a:off x="3859340" y="4677238"/>
             <a:ext cx="3611105" cy="790413"/>
           </a:xfrm>
           <a:prstGeom prst="roundRect">
@@ -12696,13 +12646,13 @@
   <p:clrMapOvr>
     <a:masterClrMapping/>
   </p:clrMapOvr>
-  <mc:AlternateContent xmlns:mc="http://schemas.openxmlformats.org/markup-compatibility/2006">
-    <mc:Choice xmlns:p159="http://schemas.microsoft.com/office/powerpoint/2015/09/main" Requires="p159">
+  <mc:AlternateContent xmlns:mc="http://schemas.openxmlformats.org/markup-compatibility/2006" xmlns:p159="http://schemas.microsoft.com/office/powerpoint/2015/09/main">
+    <mc:Choice Requires="p159">
       <p:transition xmlns:p14="http://schemas.microsoft.com/office/powerpoint/2010/main" spd="slow" p14:dur="2000" advClick="0">
         <p159:morph option="byChar"/>
       </p:transition>
     </mc:Choice>
-    <mc:Fallback>
+    <mc:Fallback xmlns="">
       <p:transition spd="slow" advClick="0">
         <p:fade/>
       </p:transition>
@@ -15469,13 +15419,13 @@
   <p:clrMapOvr>
     <a:masterClrMapping/>
   </p:clrMapOvr>
-  <mc:AlternateContent xmlns:mc="http://schemas.openxmlformats.org/markup-compatibility/2006">
-    <mc:Choice xmlns:p159="http://schemas.microsoft.com/office/powerpoint/2015/09/main" Requires="p159">
+  <mc:AlternateContent xmlns:mc="http://schemas.openxmlformats.org/markup-compatibility/2006" xmlns:p159="http://schemas.microsoft.com/office/powerpoint/2015/09/main">
+    <mc:Choice Requires="p159">
       <p:transition xmlns:p14="http://schemas.microsoft.com/office/powerpoint/2010/main" spd="slow" p14:dur="2000" advClick="0">
         <p159:morph option="byChar"/>
       </p:transition>
     </mc:Choice>
-    <mc:Fallback>
+    <mc:Fallback xmlns="">
       <p:transition spd="slow" advClick="0">
         <p:fade/>
       </p:transition>
@@ -15501,39 +15451,6 @@
           <a:chExt cx="0" cy="0"/>
         </a:xfrm>
       </p:grpSpPr>
-      <p:sp>
-        <p:nvSpPr>
-          <p:cNvPr id="4" name="TextBox 3"/>
-          <p:cNvSpPr txBox="1"/>
-          <p:nvPr/>
-        </p:nvSpPr>
-        <p:spPr>
-          <a:xfrm>
-            <a:off x="648393" y="733288"/>
-            <a:ext cx="4345638" cy="630942"/>
-          </a:xfrm>
-          <a:prstGeom prst="rect">
-            <a:avLst/>
-          </a:prstGeom>
-          <a:noFill/>
-        </p:spPr>
-        <p:txBody>
-          <a:bodyPr wrap="square" rtlCol="0">
-            <a:spAutoFit/>
-          </a:bodyPr>
-          <a:lstStyle/>
-          <a:p>
-            <a:r>
-              <a:rPr lang="en-US" sz="3500" b="1" dirty="0">
-                <a:latin typeface="Playfair Display" charset="0"/>
-                <a:ea typeface="Playfair Display" charset="0"/>
-                <a:cs typeface="Playfair Display" charset="0"/>
-              </a:rPr>
-              <a:t>Activity Diagram</a:t>
-            </a:r>
-          </a:p>
-        </p:txBody>
-      </p:sp>
       <p:pic>
         <p:nvPicPr>
           <p:cNvPr id="31" name="Content Placeholder 9">
@@ -15936,13 +15853,13 @@
   <p:clrMapOvr>
     <a:masterClrMapping/>
   </p:clrMapOvr>
-  <mc:AlternateContent xmlns:mc="http://schemas.openxmlformats.org/markup-compatibility/2006">
-    <mc:Choice xmlns:p159="http://schemas.microsoft.com/office/powerpoint/2015/09/main" Requires="p159">
+  <mc:AlternateContent xmlns:mc="http://schemas.openxmlformats.org/markup-compatibility/2006" xmlns:p159="http://schemas.microsoft.com/office/powerpoint/2015/09/main">
+    <mc:Choice Requires="p159">
       <p:transition xmlns:p14="http://schemas.microsoft.com/office/powerpoint/2010/main" spd="slow" p14:dur="2000" advClick="0">
         <p159:morph option="byChar"/>
       </p:transition>
     </mc:Choice>
-    <mc:Fallback>
+    <mc:Fallback xmlns="">
       <p:transition spd="slow" advClick="0">
         <p:fade/>
       </p:transition>
@@ -16078,10 +15995,10 @@
       </p:pic>
       <p:pic>
         <p:nvPicPr>
-          <p:cNvPr id="6" name="Picture 5">
+          <p:cNvPr id="3" name="Picture 2">
             <a:extLst>
               <a:ext uri="{FF2B5EF4-FFF2-40B4-BE49-F238E27FC236}">
-                <a16:creationId xmlns:a16="http://schemas.microsoft.com/office/drawing/2014/main" id="{A0FCC55B-639B-FF56-567A-CE8FFBE5138F}"/>
+                <a16:creationId xmlns:a16="http://schemas.microsoft.com/office/drawing/2014/main" id="{585F2F7F-B8B7-4616-0756-AA55ACD1E444}"/>
               </a:ext>
             </a:extLst>
           </p:cNvPr>
@@ -16098,8 +16015,8 @@
         </p:blipFill>
         <p:spPr>
           <a:xfrm>
-            <a:off x="3064611" y="0"/>
-            <a:ext cx="7692625" cy="6858000"/>
+            <a:off x="2733512" y="0"/>
+            <a:ext cx="7276519" cy="6858000"/>
           </a:xfrm>
           <a:prstGeom prst="rect">
             <a:avLst/>
@@ -16116,13 +16033,13 @@
   <p:clrMapOvr>
     <a:masterClrMapping/>
   </p:clrMapOvr>
-  <mc:AlternateContent xmlns:mc="http://schemas.openxmlformats.org/markup-compatibility/2006">
-    <mc:Choice xmlns:p159="http://schemas.microsoft.com/office/powerpoint/2015/09/main" Requires="p159">
+  <mc:AlternateContent xmlns:mc="http://schemas.openxmlformats.org/markup-compatibility/2006" xmlns:p159="http://schemas.microsoft.com/office/powerpoint/2015/09/main">
+    <mc:Choice Requires="p159">
       <p:transition xmlns:p14="http://schemas.microsoft.com/office/powerpoint/2010/main" spd="slow" p14:dur="2000" advClick="0">
         <p159:morph option="byChar"/>
       </p:transition>
     </mc:Choice>
-    <mc:Fallback>
+    <mc:Fallback xmlns="">
       <p:transition spd="slow" advClick="0">
         <p:fade/>
       </p:transition>
@@ -16342,13 +16259,13 @@
   <p:clrMapOvr>
     <a:masterClrMapping/>
   </p:clrMapOvr>
-  <mc:AlternateContent xmlns:mc="http://schemas.openxmlformats.org/markup-compatibility/2006">
-    <mc:Choice xmlns:p159="http://schemas.microsoft.com/office/powerpoint/2015/09/main" Requires="p159">
+  <mc:AlternateContent xmlns:mc="http://schemas.openxmlformats.org/markup-compatibility/2006" xmlns:p159="http://schemas.microsoft.com/office/powerpoint/2015/09/main">
+    <mc:Choice Requires="p159">
       <p:transition xmlns:p14="http://schemas.microsoft.com/office/powerpoint/2010/main" spd="slow" p14:dur="2000" advClick="0">
         <p159:morph option="byChar"/>
       </p:transition>
     </mc:Choice>
-    <mc:Fallback>
+    <mc:Fallback xmlns="">
       <p:transition spd="slow" advClick="0">
         <p:fade/>
       </p:transition>
@@ -16396,13 +16313,13 @@
               </a:ext>
             </a:extLst>
           </a:blip>
-          <a:srcRect b="10230"/>
+          <a:srcRect b="-146"/>
           <a:stretch/>
         </p:blipFill>
         <p:spPr bwMode="auto">
           <a:xfrm>
-            <a:off x="1761453" y="860878"/>
-            <a:ext cx="8137108" cy="5178414"/>
+            <a:off x="1761453" y="860877"/>
+            <a:ext cx="8137108" cy="5776989"/>
           </a:xfrm>
           <a:prstGeom prst="rect">
             <a:avLst/>
@@ -16578,13 +16495,13 @@
   <p:clrMapOvr>
     <a:masterClrMapping/>
   </p:clrMapOvr>
-  <mc:AlternateContent xmlns:mc="http://schemas.openxmlformats.org/markup-compatibility/2006">
-    <mc:Choice xmlns:p159="http://schemas.microsoft.com/office/powerpoint/2015/09/main" Requires="p159">
+  <mc:AlternateContent xmlns:mc="http://schemas.openxmlformats.org/markup-compatibility/2006" xmlns:p159="http://schemas.microsoft.com/office/powerpoint/2015/09/main">
+    <mc:Choice Requires="p159">
       <p:transition xmlns:p14="http://schemas.microsoft.com/office/powerpoint/2010/main" spd="slow" p14:dur="2000" advClick="0">
         <p159:morph option="byChar"/>
       </p:transition>
     </mc:Choice>
-    <mc:Fallback>
+    <mc:Fallback xmlns="">
       <p:transition spd="slow" advClick="0">
         <p:fade/>
       </p:transition>
@@ -16632,13 +16549,13 @@
               </a:ext>
             </a:extLst>
           </a:blip>
-          <a:srcRect b="11057"/>
+          <a:srcRect b="-284"/>
           <a:stretch/>
         </p:blipFill>
         <p:spPr bwMode="auto">
           <a:xfrm>
-            <a:off x="2769053" y="714981"/>
-            <a:ext cx="6434729" cy="5898826"/>
+            <a:off x="2769053" y="71515"/>
+            <a:ext cx="6434729" cy="6651019"/>
           </a:xfrm>
           <a:prstGeom prst="rect">
             <a:avLst/>
@@ -16814,13 +16731,13 @@
   <p:clrMapOvr>
     <a:masterClrMapping/>
   </p:clrMapOvr>
-  <mc:AlternateContent xmlns:mc="http://schemas.openxmlformats.org/markup-compatibility/2006">
-    <mc:Choice xmlns:p159="http://schemas.microsoft.com/office/powerpoint/2015/09/main" Requires="p159">
+  <mc:AlternateContent xmlns:mc="http://schemas.openxmlformats.org/markup-compatibility/2006" xmlns:p159="http://schemas.microsoft.com/office/powerpoint/2015/09/main">
+    <mc:Choice Requires="p159">
       <p:transition xmlns:p14="http://schemas.microsoft.com/office/powerpoint/2010/main" spd="slow" p14:dur="2000" advClick="0">
         <p159:morph option="byChar"/>
       </p:transition>
     </mc:Choice>
-    <mc:Fallback>
+    <mc:Fallback xmlns="">
       <p:transition spd="slow" advClick="0">
         <p:fade/>
       </p:transition>
